--- a/A_Web_App.pptx
+++ b/A_Web_App.pptx
@@ -204,7 +204,7 @@
           <a:p>
             <a:fld id="{C2E15B94-D9E4-E149-8081-23A720D1EE5F}" type="datetimeFigureOut">
               <a:rPr lang="en-US" smtClean="0"/>
-              <a:t>12/11/21</a:t>
+              <a:t>12/15/21</a:t>
             </a:fld>
             <a:endParaRPr lang="en-US"/>
           </a:p>
@@ -618,7 +618,7 @@
           <a:p>
             <a:fld id="{FBD852D7-E694-214E-8A12-510E0A0329D2}" type="datetimeFigureOut">
               <a:rPr lang="en-US" smtClean="0"/>
-              <a:t>12/11/21</a:t>
+              <a:t>12/15/21</a:t>
             </a:fld>
             <a:endParaRPr lang="en-US"/>
           </a:p>
@@ -816,7 +816,7 @@
           <a:p>
             <a:fld id="{FBD852D7-E694-214E-8A12-510E0A0329D2}" type="datetimeFigureOut">
               <a:rPr lang="en-US" smtClean="0"/>
-              <a:t>12/11/21</a:t>
+              <a:t>12/15/21</a:t>
             </a:fld>
             <a:endParaRPr lang="en-US"/>
           </a:p>
@@ -1024,7 +1024,7 @@
           <a:p>
             <a:fld id="{FBD852D7-E694-214E-8A12-510E0A0329D2}" type="datetimeFigureOut">
               <a:rPr lang="en-US" smtClean="0"/>
-              <a:t>12/11/21</a:t>
+              <a:t>12/15/21</a:t>
             </a:fld>
             <a:endParaRPr lang="en-US"/>
           </a:p>
@@ -1222,7 +1222,7 @@
           <a:p>
             <a:fld id="{FBD852D7-E694-214E-8A12-510E0A0329D2}" type="datetimeFigureOut">
               <a:rPr lang="en-US" smtClean="0"/>
-              <a:t>12/11/21</a:t>
+              <a:t>12/15/21</a:t>
             </a:fld>
             <a:endParaRPr lang="en-US"/>
           </a:p>
@@ -1497,7 +1497,7 @@
           <a:p>
             <a:fld id="{FBD852D7-E694-214E-8A12-510E0A0329D2}" type="datetimeFigureOut">
               <a:rPr lang="en-US" smtClean="0"/>
-              <a:t>12/11/21</a:t>
+              <a:t>12/15/21</a:t>
             </a:fld>
             <a:endParaRPr lang="en-US"/>
           </a:p>
@@ -1762,7 +1762,7 @@
           <a:p>
             <a:fld id="{FBD852D7-E694-214E-8A12-510E0A0329D2}" type="datetimeFigureOut">
               <a:rPr lang="en-US" smtClean="0"/>
-              <a:t>12/11/21</a:t>
+              <a:t>12/15/21</a:t>
             </a:fld>
             <a:endParaRPr lang="en-US"/>
           </a:p>
@@ -2174,7 +2174,7 @@
           <a:p>
             <a:fld id="{FBD852D7-E694-214E-8A12-510E0A0329D2}" type="datetimeFigureOut">
               <a:rPr lang="en-US" smtClean="0"/>
-              <a:t>12/11/21</a:t>
+              <a:t>12/15/21</a:t>
             </a:fld>
             <a:endParaRPr lang="en-US"/>
           </a:p>
@@ -2315,7 +2315,7 @@
           <a:p>
             <a:fld id="{FBD852D7-E694-214E-8A12-510E0A0329D2}" type="datetimeFigureOut">
               <a:rPr lang="en-US" smtClean="0"/>
-              <a:t>12/11/21</a:t>
+              <a:t>12/15/21</a:t>
             </a:fld>
             <a:endParaRPr lang="en-US"/>
           </a:p>
@@ -2428,7 +2428,7 @@
           <a:p>
             <a:fld id="{FBD852D7-E694-214E-8A12-510E0A0329D2}" type="datetimeFigureOut">
               <a:rPr lang="en-US" smtClean="0"/>
-              <a:t>12/11/21</a:t>
+              <a:t>12/15/21</a:t>
             </a:fld>
             <a:endParaRPr lang="en-US"/>
           </a:p>
@@ -2739,7 +2739,7 @@
           <a:p>
             <a:fld id="{FBD852D7-E694-214E-8A12-510E0A0329D2}" type="datetimeFigureOut">
               <a:rPr lang="en-US" smtClean="0"/>
-              <a:t>12/11/21</a:t>
+              <a:t>12/15/21</a:t>
             </a:fld>
             <a:endParaRPr lang="en-US"/>
           </a:p>
@@ -3027,7 +3027,7 @@
           <a:p>
             <a:fld id="{FBD852D7-E694-214E-8A12-510E0A0329D2}" type="datetimeFigureOut">
               <a:rPr lang="en-US" smtClean="0"/>
-              <a:t>12/11/21</a:t>
+              <a:t>12/15/21</a:t>
             </a:fld>
             <a:endParaRPr lang="en-US"/>
           </a:p>
@@ -3268,7 +3268,7 @@
           <a:p>
             <a:fld id="{FBD852D7-E694-214E-8A12-510E0A0329D2}" type="datetimeFigureOut">
               <a:rPr lang="en-US" smtClean="0"/>
-              <a:t>12/11/21</a:t>
+              <a:t>12/15/21</a:t>
             </a:fld>
             <a:endParaRPr lang="en-US"/>
           </a:p>
@@ -7423,7 +7423,7 @@
         <p:spPr>
           <a:xfrm>
             <a:off x="7503323" y="461736"/>
-            <a:ext cx="4253597" cy="5216813"/>
+            <a:ext cx="4644447" cy="5893921"/>
           </a:xfrm>
           <a:prstGeom prst="rect">
             <a:avLst/>
@@ -7719,7 +7719,17 @@
             </a:pPr>
             <a:r>
               <a:rPr lang="en-US" sz="1100"/>
-              <a:t>Loopback.io - uses typescript</a:t>
+              <a:t>Loopback.io -</a:t>
+            </a:r>
+            <a:r>
+              <a:rPr lang="en-US" sz="1100">
+                <a:hlinkClick r:id="rId17"/>
+              </a:rPr>
+              <a:t> https://loopback.io/</a:t>
+            </a:r>
+            <a:r>
+              <a:rPr lang="en-US" sz="1100"/>
+              <a:t> - node.js + typescript</a:t>
             </a:r>
           </a:p>
           <a:p>
@@ -7729,7 +7739,24 @@
             </a:pPr>
             <a:r>
               <a:rPr lang="en-US" sz="1100"/>
-              <a:t>form.io - very good, uses mongo.db, opensource</a:t>
+              <a:t>form.io - </a:t>
+            </a:r>
+            <a:r>
+              <a:rPr lang="en-US" sz="1100">
+                <a:hlinkClick r:id="rId18"/>
+              </a:rPr>
+              <a:t>https://www.form.io/</a:t>
+            </a:r>
+            <a:r>
+              <a:rPr lang="en-US" sz="1100"/>
+              <a:t> - create forms and APIs,</a:t>
+            </a:r>
+            <a:br>
+              <a:rPr lang="en-US" sz="1100"/>
+            </a:br>
+            <a:r>
+              <a:rPr lang="en-US" sz="1100"/>
+              <a:t>very good, uses mongo.db, opensource</a:t>
             </a:r>
           </a:p>
           <a:p>
@@ -7739,7 +7766,17 @@
             </a:pPr>
             <a:r>
               <a:rPr lang="en-US" sz="1100"/>
-              <a:t>heroku.com</a:t>
+              <a:t>heroku - </a:t>
+            </a:r>
+            <a:r>
+              <a:rPr lang="en-US" sz="1100">
+                <a:hlinkClick r:id="rId19"/>
+              </a:rPr>
+              <a:t>https://www.heroku.com/</a:t>
+            </a:r>
+            <a:r>
+              <a:rPr lang="en-US" sz="1100"/>
+              <a:t> - container-based cloud platform</a:t>
             </a:r>
           </a:p>
           <a:p>
@@ -7749,7 +7786,17 @@
             </a:pPr>
             <a:r>
               <a:rPr lang="en-US" sz="1100"/>
-              <a:t>Swagger.io</a:t>
+              <a:t>Swagger.io - </a:t>
+            </a:r>
+            <a:r>
+              <a:rPr lang="en-US" sz="1100">
+                <a:hlinkClick r:id="rId20"/>
+              </a:rPr>
+              <a:t>https://swagger.io</a:t>
+            </a:r>
+            <a:r>
+              <a:rPr lang="en-US" sz="1100"/>
+              <a:t> – build API, open source</a:t>
             </a:r>
           </a:p>
           <a:p>
@@ -7759,7 +7806,17 @@
             </a:pPr>
             <a:r>
               <a:rPr lang="en-US" sz="1100"/>
-              <a:t>expresses.com - Node Express</a:t>
+              <a:t>expressJS - </a:t>
+            </a:r>
+            <a:r>
+              <a:rPr lang="en-US" sz="1100">
+                <a:hlinkClick r:id="rId21"/>
+              </a:rPr>
+              <a:t>https://expressjs.com</a:t>
+            </a:r>
+            <a:r>
+              <a:rPr lang="en-US" sz="1100"/>
+              <a:t> - Node Express</a:t>
             </a:r>
           </a:p>
           <a:p>
@@ -7769,7 +7826,17 @@
             </a:pPr>
             <a:r>
               <a:rPr lang="en-US" sz="1100"/>
-              <a:t>Yeoman.io</a:t>
+              <a:t>Yeoman.io - </a:t>
+            </a:r>
+            <a:r>
+              <a:rPr lang="en-US" sz="1100">
+                <a:hlinkClick r:id="rId22"/>
+              </a:rPr>
+              <a:t>https://yeoman.io</a:t>
+            </a:r>
+            <a:r>
+              <a:rPr lang="en-US" sz="1100"/>
+              <a:t> – tools for JS development</a:t>
             </a:r>
           </a:p>
           <a:p>
@@ -7779,7 +7846,17 @@
             </a:pPr>
             <a:r>
               <a:rPr lang="en-US" sz="1100"/>
-              <a:t>Mustache.github.io</a:t>
+              <a:t>Mustache - </a:t>
+            </a:r>
+            <a:r>
+              <a:rPr lang="en-US" sz="1100">
+                <a:hlinkClick r:id="rId23"/>
+              </a:rPr>
+              <a:t>https://github.com/mustache</a:t>
+            </a:r>
+            <a:r>
+              <a:rPr lang="en-US" sz="1100"/>
+              <a:t> -  templates</a:t>
             </a:r>
           </a:p>
           <a:p>
@@ -7789,7 +7866,17 @@
             </a:pPr>
             <a:r>
               <a:rPr lang="en-US" sz="1100"/>
-              <a:t>Kaleguy.github.io</a:t>
+              <a:t>Joe Orr - </a:t>
+            </a:r>
+            <a:r>
+              <a:rPr lang="en-US" sz="1100">
+                <a:hlinkClick r:id="rId24"/>
+              </a:rPr>
+              <a:t>https://kaleguy.github.io/</a:t>
+            </a:r>
+            <a:r>
+              <a:rPr lang="en-US" sz="1100"/>
+              <a:t> - </a:t>
             </a:r>
           </a:p>
           <a:p>
@@ -7799,7 +7886,24 @@
             </a:pPr>
             <a:r>
               <a:rPr lang="en-US" sz="1100"/>
-              <a:t>Fiddler</a:t>
+              <a:t>Fiddler – web debugger tool</a:t>
+            </a:r>
+            <a:br>
+              <a:rPr lang="en-US" sz="1100"/>
+            </a:br>
+            <a:r>
+              <a:rPr lang="en-US" sz="1100"/>
+              <a:t> - </a:t>
+            </a:r>
+            <a:r>
+              <a:rPr lang="en-US" sz="1100">
+                <a:hlinkClick r:id="rId25"/>
+              </a:rPr>
+              <a:t>https://en.wikipedia.org/wiki/Fiddler_(software)</a:t>
+            </a:r>
+            <a:r>
+              <a:rPr lang="en-US" sz="1100"/>
+              <a:t> - </a:t>
             </a:r>
           </a:p>
           <a:p>
@@ -7809,8 +7913,15 @@
             </a:pPr>
             <a:r>
               <a:rPr lang="en-US" sz="1100"/>
-              <a:t>lodash</a:t>
-            </a:r>
+              <a:t>lodash JS library - </a:t>
+            </a:r>
+            <a:r>
+              <a:rPr lang="en-US" sz="1100">
+                <a:hlinkClick r:id="rId26"/>
+              </a:rPr>
+              <a:t>https://en.wikipedia.org/wiki/Lodash</a:t>
+            </a:r>
+            <a:endParaRPr lang="en-US" sz="1100"/>
           </a:p>
           <a:p>
             <a:pPr marL="171450" indent="-171450">
@@ -7819,7 +7930,17 @@
             </a:pPr>
             <a:r>
               <a:rPr lang="en-US" sz="1100"/>
-              <a:t>Require lodash/fp</a:t>
+              <a:t>RxJS - reactive library - </a:t>
+            </a:r>
+            <a:r>
+              <a:rPr lang="en-US" sz="1100">
+                <a:hlinkClick r:id="rId27"/>
+              </a:rPr>
+              <a:t>https://rxjs-dev.firebaseapp.com/</a:t>
+            </a:r>
+            <a:r>
+              <a:rPr lang="en-US" sz="1100"/>
+              <a:t> - </a:t>
             </a:r>
           </a:p>
           <a:p>
@@ -7829,7 +7950,57 @@
             </a:pPr>
             <a:r>
               <a:rPr lang="en-US" sz="1100"/>
-              <a:t>RxJS - reactive library - https://rxjs-dev.firebaseapp.com/</a:t>
+              <a:t>Svelte - </a:t>
+            </a:r>
+            <a:r>
+              <a:rPr lang="en-US" sz="1100">
+                <a:hlinkClick r:id="rId28"/>
+              </a:rPr>
+              <a:t>https://en.wikipedia.org/wiki/Svelte</a:t>
+            </a:r>
+            <a:r>
+              <a:rPr lang="en-US" sz="1100"/>
+              <a:t> – frontend </a:t>
+            </a:r>
+          </a:p>
+          <a:p>
+            <a:pPr marL="171450" indent="-171450">
+              <a:buFont typeface="Arial" panose="020B0604020202020204" pitchFamily="34" charset="0"/>
+              <a:buChar char="•"/>
+            </a:pPr>
+            <a:r>
+              <a:rPr lang="en-US" sz="1100"/>
+              <a:t>Vercel - </a:t>
+            </a:r>
+            <a:r>
+              <a:rPr lang="en-US" sz="1100">
+                <a:hlinkClick r:id="rId29"/>
+              </a:rPr>
+              <a:t>https://vercel.com</a:t>
+            </a:r>
+            <a:r>
+              <a:rPr lang="en-US" sz="1100"/>
+              <a:t> - platform for frontend frameworks</a:t>
+            </a:r>
+          </a:p>
+          <a:p>
+            <a:pPr marL="171450" indent="-171450">
+              <a:buFont typeface="Arial" panose="020B0604020202020204" pitchFamily="34" charset="0"/>
+              <a:buChar char="•"/>
+            </a:pPr>
+            <a:r>
+              <a:rPr lang="en-US" sz="1100"/>
+              <a:t>GitPod.io - </a:t>
+            </a:r>
+            <a:r>
+              <a:rPr lang="en-US" sz="1100">
+                <a:hlinkClick r:id="rId30"/>
+              </a:rPr>
+              <a:t>https://www.gitpod.io</a:t>
+            </a:r>
+            <a:r>
+              <a:rPr lang="en-US" sz="1100"/>
+              <a:t> - VS Code or  JetBrains in browser</a:t>
             </a:r>
           </a:p>
         </p:txBody>
@@ -8039,7 +8210,7 @@
           <p:nvPr/>
         </p:nvPicPr>
         <p:blipFill>
-          <a:blip r:embed="rId17" cstate="email">
+          <a:blip r:embed="rId31" cstate="email">
             <a:extLst>
               <a:ext uri="{28A0092B-C50C-407E-A947-70E740481C1C}">
                 <a14:useLocalDpi xmlns:a14="http://schemas.microsoft.com/office/drawing/2010/main"/>
@@ -8075,7 +8246,7 @@
           <p:nvPr/>
         </p:nvPicPr>
         <p:blipFill>
-          <a:blip r:embed="rId18" cstate="email">
+          <a:blip r:embed="rId32" cstate="email">
             <a:extLst>
               <a:ext uri="{28A0092B-C50C-407E-A947-70E740481C1C}">
                 <a14:useLocalDpi xmlns:a14="http://schemas.microsoft.com/office/drawing/2010/main"/>
@@ -8111,7 +8282,7 @@
           <p:nvPr/>
         </p:nvPicPr>
         <p:blipFill>
-          <a:blip r:embed="rId19" cstate="email">
+          <a:blip r:embed="rId33" cstate="email">
             <a:extLst>
               <a:ext uri="{28A0092B-C50C-407E-A947-70E740481C1C}">
                 <a14:useLocalDpi xmlns:a14="http://schemas.microsoft.com/office/drawing/2010/main"/>
@@ -8147,7 +8318,7 @@
           <p:nvPr/>
         </p:nvPicPr>
         <p:blipFill>
-          <a:blip r:embed="rId20" cstate="email">
+          <a:blip r:embed="rId34" cstate="email">
             <a:extLst>
               <a:ext uri="{28A0092B-C50C-407E-A947-70E740481C1C}">
                 <a14:useLocalDpi xmlns:a14="http://schemas.microsoft.com/office/drawing/2010/main"/>
@@ -8183,7 +8354,7 @@
           <p:nvPr/>
         </p:nvPicPr>
         <p:blipFill>
-          <a:blip r:embed="rId21" cstate="email">
+          <a:blip r:embed="rId35" cstate="email">
             <a:extLst>
               <a:ext uri="{28A0092B-C50C-407E-A947-70E740481C1C}">
                 <a14:useLocalDpi xmlns:a14="http://schemas.microsoft.com/office/drawing/2010/main"/>
@@ -8219,7 +8390,7 @@
           <p:nvPr/>
         </p:nvPicPr>
         <p:blipFill>
-          <a:blip r:embed="rId22" cstate="email">
+          <a:blip r:embed="rId36" cstate="email">
             <a:extLst>
               <a:ext uri="{28A0092B-C50C-407E-A947-70E740481C1C}">
                 <a14:useLocalDpi xmlns:a14="http://schemas.microsoft.com/office/drawing/2010/main"/>
@@ -8255,7 +8426,7 @@
           <p:nvPr/>
         </p:nvPicPr>
         <p:blipFill>
-          <a:blip r:embed="rId23" cstate="email">
+          <a:blip r:embed="rId37" cstate="email">
             <a:extLst>
               <a:ext uri="{28A0092B-C50C-407E-A947-70E740481C1C}">
                 <a14:useLocalDpi xmlns:a14="http://schemas.microsoft.com/office/drawing/2010/main"/>
@@ -8291,7 +8462,7 @@
           <p:nvPr/>
         </p:nvPicPr>
         <p:blipFill>
-          <a:blip r:embed="rId24" cstate="email">
+          <a:blip r:embed="rId38" cstate="email">
             <a:extLst>
               <a:ext uri="{28A0092B-C50C-407E-A947-70E740481C1C}">
                 <a14:useLocalDpi xmlns:a14="http://schemas.microsoft.com/office/drawing/2010/main"/>

--- a/A_Web_App.pptx
+++ b/A_Web_App.pptx
@@ -204,7 +204,7 @@
           <a:p>
             <a:fld id="{C2E15B94-D9E4-E149-8081-23A720D1EE5F}" type="datetimeFigureOut">
               <a:rPr lang="en-US" smtClean="0"/>
-              <a:t>12/15/21</a:t>
+              <a:t>12/21/21</a:t>
             </a:fld>
             <a:endParaRPr lang="en-US"/>
           </a:p>
@@ -618,7 +618,7 @@
           <a:p>
             <a:fld id="{FBD852D7-E694-214E-8A12-510E0A0329D2}" type="datetimeFigureOut">
               <a:rPr lang="en-US" smtClean="0"/>
-              <a:t>12/15/21</a:t>
+              <a:t>12/21/21</a:t>
             </a:fld>
             <a:endParaRPr lang="en-US"/>
           </a:p>
@@ -816,7 +816,7 @@
           <a:p>
             <a:fld id="{FBD852D7-E694-214E-8A12-510E0A0329D2}" type="datetimeFigureOut">
               <a:rPr lang="en-US" smtClean="0"/>
-              <a:t>12/15/21</a:t>
+              <a:t>12/21/21</a:t>
             </a:fld>
             <a:endParaRPr lang="en-US"/>
           </a:p>
@@ -1024,7 +1024,7 @@
           <a:p>
             <a:fld id="{FBD852D7-E694-214E-8A12-510E0A0329D2}" type="datetimeFigureOut">
               <a:rPr lang="en-US" smtClean="0"/>
-              <a:t>12/15/21</a:t>
+              <a:t>12/21/21</a:t>
             </a:fld>
             <a:endParaRPr lang="en-US"/>
           </a:p>
@@ -1222,7 +1222,7 @@
           <a:p>
             <a:fld id="{FBD852D7-E694-214E-8A12-510E0A0329D2}" type="datetimeFigureOut">
               <a:rPr lang="en-US" smtClean="0"/>
-              <a:t>12/15/21</a:t>
+              <a:t>12/21/21</a:t>
             </a:fld>
             <a:endParaRPr lang="en-US"/>
           </a:p>
@@ -1497,7 +1497,7 @@
           <a:p>
             <a:fld id="{FBD852D7-E694-214E-8A12-510E0A0329D2}" type="datetimeFigureOut">
               <a:rPr lang="en-US" smtClean="0"/>
-              <a:t>12/15/21</a:t>
+              <a:t>12/21/21</a:t>
             </a:fld>
             <a:endParaRPr lang="en-US"/>
           </a:p>
@@ -1762,7 +1762,7 @@
           <a:p>
             <a:fld id="{FBD852D7-E694-214E-8A12-510E0A0329D2}" type="datetimeFigureOut">
               <a:rPr lang="en-US" smtClean="0"/>
-              <a:t>12/15/21</a:t>
+              <a:t>12/21/21</a:t>
             </a:fld>
             <a:endParaRPr lang="en-US"/>
           </a:p>
@@ -2174,7 +2174,7 @@
           <a:p>
             <a:fld id="{FBD852D7-E694-214E-8A12-510E0A0329D2}" type="datetimeFigureOut">
               <a:rPr lang="en-US" smtClean="0"/>
-              <a:t>12/15/21</a:t>
+              <a:t>12/21/21</a:t>
             </a:fld>
             <a:endParaRPr lang="en-US"/>
           </a:p>
@@ -2315,7 +2315,7 @@
           <a:p>
             <a:fld id="{FBD852D7-E694-214E-8A12-510E0A0329D2}" type="datetimeFigureOut">
               <a:rPr lang="en-US" smtClean="0"/>
-              <a:t>12/15/21</a:t>
+              <a:t>12/21/21</a:t>
             </a:fld>
             <a:endParaRPr lang="en-US"/>
           </a:p>
@@ -2428,7 +2428,7 @@
           <a:p>
             <a:fld id="{FBD852D7-E694-214E-8A12-510E0A0329D2}" type="datetimeFigureOut">
               <a:rPr lang="en-US" smtClean="0"/>
-              <a:t>12/15/21</a:t>
+              <a:t>12/21/21</a:t>
             </a:fld>
             <a:endParaRPr lang="en-US"/>
           </a:p>
@@ -2739,7 +2739,7 @@
           <a:p>
             <a:fld id="{FBD852D7-E694-214E-8A12-510E0A0329D2}" type="datetimeFigureOut">
               <a:rPr lang="en-US" smtClean="0"/>
-              <a:t>12/15/21</a:t>
+              <a:t>12/21/21</a:t>
             </a:fld>
             <a:endParaRPr lang="en-US"/>
           </a:p>
@@ -3027,7 +3027,7 @@
           <a:p>
             <a:fld id="{FBD852D7-E694-214E-8A12-510E0A0329D2}" type="datetimeFigureOut">
               <a:rPr lang="en-US" smtClean="0"/>
-              <a:t>12/15/21</a:t>
+              <a:t>12/21/21</a:t>
             </a:fld>
             <a:endParaRPr lang="en-US"/>
           </a:p>
@@ -3268,7 +3268,7 @@
           <a:p>
             <a:fld id="{FBD852D7-E694-214E-8A12-510E0A0329D2}" type="datetimeFigureOut">
               <a:rPr lang="en-US" smtClean="0"/>
-              <a:t>12/15/21</a:t>
+              <a:t>12/21/21</a:t>
             </a:fld>
             <a:endParaRPr lang="en-US"/>
           </a:p>
@@ -8548,7 +8548,7 @@
           <a:p>
             <a:r>
               <a:rPr lang="en-US"/>
-              <a:t>Load Balaners</a:t>
+              <a:t>Load Balancers</a:t>
             </a:r>
           </a:p>
           <a:p>

--- a/A_Web_App.pptx
+++ b/A_Web_App.pptx
@@ -5005,8 +5005,8 @@
         </p:nvSpPr>
         <p:spPr>
           <a:xfrm>
-            <a:off x="6607023" y="348088"/>
-            <a:ext cx="5494349" cy="2800767"/>
+            <a:off x="7272299" y="126614"/>
+            <a:ext cx="4829073" cy="3016210"/>
           </a:xfrm>
           <a:prstGeom prst="rect">
             <a:avLst/>
@@ -5026,7 +5026,13 @@
           <a:p>
             <a:r>
               <a:rPr lang="en-US" sz="1400"/>
-              <a:t>For active content you will need an </a:t>
+              <a:t>For active content you will need </a:t>
+            </a:r>
+          </a:p>
+          <a:p>
+            <a:r>
+              <a:rPr lang="en-US" sz="1400"/>
+              <a:t>an </a:t>
             </a:r>
             <a:r>
               <a:rPr lang="en-US" sz="1400" b="1">
@@ -5189,7 +5195,7 @@
         </p:nvSpPr>
         <p:spPr>
           <a:xfrm>
-            <a:off x="1982064" y="1849074"/>
+            <a:off x="2100520" y="958714"/>
             <a:ext cx="1177637" cy="646331"/>
           </a:xfrm>
           <a:prstGeom prst="rect">
@@ -5237,7 +5243,7 @@
         </p:nvSpPr>
         <p:spPr>
           <a:xfrm>
-            <a:off x="3873500" y="1533028"/>
+            <a:off x="3991956" y="642668"/>
             <a:ext cx="1593022" cy="553998"/>
           </a:xfrm>
           <a:prstGeom prst="rect">
@@ -5289,7 +5295,7 @@
         </p:nvSpPr>
         <p:spPr>
           <a:xfrm>
-            <a:off x="3873500" y="2231124"/>
+            <a:off x="3991956" y="1340764"/>
             <a:ext cx="1593022" cy="738664"/>
           </a:xfrm>
           <a:prstGeom prst="rect">
@@ -5341,7 +5347,7 @@
         </p:nvSpPr>
         <p:spPr>
           <a:xfrm>
-            <a:off x="90628" y="1713763"/>
+            <a:off x="209084" y="823403"/>
             <a:ext cx="1408523" cy="923330"/>
           </a:xfrm>
           <a:prstGeom prst="rect">
@@ -5383,6 +5389,7 @@
             </a:extLst>
           </p:cNvPr>
           <p:cNvCxnSpPr>
+            <a:cxnSpLocks/>
             <a:stCxn id="18" idx="3"/>
             <a:endCxn id="15" idx="1"/>
           </p:cNvCxnSpPr>
@@ -5390,7 +5397,7 @@
         </p:nvCxnSpPr>
         <p:spPr>
           <a:xfrm flipV="1">
-            <a:off x="1499151" y="2172240"/>
+            <a:off x="1617607" y="1281880"/>
             <a:ext cx="482913" cy="3188"/>
           </a:xfrm>
           <a:prstGeom prst="line">
@@ -5431,7 +5438,7 @@
         </p:nvCxnSpPr>
         <p:spPr>
           <a:xfrm flipV="1">
-            <a:off x="3159701" y="1810027"/>
+            <a:off x="3278157" y="919667"/>
             <a:ext cx="713799" cy="362213"/>
           </a:xfrm>
           <a:prstGeom prst="line">
@@ -5472,7 +5479,7 @@
         </p:nvCxnSpPr>
         <p:spPr>
           <a:xfrm>
-            <a:off x="3159701" y="2172240"/>
+            <a:off x="3278157" y="1281880"/>
             <a:ext cx="713799" cy="428216"/>
           </a:xfrm>
           <a:prstGeom prst="line">
@@ -5509,7 +5516,7 @@
         </p:nvSpPr>
         <p:spPr>
           <a:xfrm>
-            <a:off x="90628" y="4649021"/>
+            <a:off x="0" y="4738063"/>
             <a:ext cx="3616631" cy="1015663"/>
           </a:xfrm>
           <a:prstGeom prst="rect">
@@ -5616,7 +5623,7 @@
         </p:nvSpPr>
         <p:spPr>
           <a:xfrm>
-            <a:off x="90628" y="4231926"/>
+            <a:off x="0" y="4320968"/>
             <a:ext cx="2133600" cy="369332"/>
           </a:xfrm>
           <a:prstGeom prst="rect">
@@ -5655,7 +5662,7 @@
         </p:nvSpPr>
         <p:spPr>
           <a:xfrm>
-            <a:off x="6964400" y="4775778"/>
+            <a:off x="2100520" y="2962293"/>
             <a:ext cx="1177637" cy="800219"/>
           </a:xfrm>
           <a:prstGeom prst="rect">
@@ -5718,7 +5725,7 @@
         </p:nvSpPr>
         <p:spPr>
           <a:xfrm>
-            <a:off x="8855836" y="4459732"/>
+            <a:off x="3991956" y="2646247"/>
             <a:ext cx="1593022" cy="553998"/>
           </a:xfrm>
           <a:prstGeom prst="rect">
@@ -5770,7 +5777,7 @@
         </p:nvSpPr>
         <p:spPr>
           <a:xfrm>
-            <a:off x="8855836" y="5157828"/>
+            <a:off x="3991956" y="3344343"/>
             <a:ext cx="1408523" cy="646331"/>
           </a:xfrm>
           <a:prstGeom prst="rect">
@@ -5826,7 +5833,7 @@
         </p:nvSpPr>
         <p:spPr>
           <a:xfrm>
-            <a:off x="5072964" y="4849013"/>
+            <a:off x="209084" y="3035528"/>
             <a:ext cx="1408523" cy="646331"/>
           </a:xfrm>
           <a:prstGeom prst="rect">
@@ -5880,7 +5887,7 @@
         </p:nvCxnSpPr>
         <p:spPr>
           <a:xfrm>
-            <a:off x="6481487" y="5172179"/>
+            <a:off x="1617607" y="3358694"/>
             <a:ext cx="482913" cy="3709"/>
           </a:xfrm>
           <a:prstGeom prst="line">
@@ -5921,7 +5928,7 @@
         </p:nvCxnSpPr>
         <p:spPr>
           <a:xfrm flipV="1">
-            <a:off x="8142037" y="4736731"/>
+            <a:off x="3278157" y="2923246"/>
             <a:ext cx="713799" cy="439157"/>
           </a:xfrm>
           <a:prstGeom prst="line">
@@ -5962,7 +5969,7 @@
         </p:nvCxnSpPr>
         <p:spPr>
           <a:xfrm>
-            <a:off x="8142037" y="5175888"/>
+            <a:off x="3278157" y="3362403"/>
             <a:ext cx="713799" cy="305106"/>
           </a:xfrm>
           <a:prstGeom prst="line">
@@ -5999,7 +6006,7 @@
         </p:nvSpPr>
         <p:spPr>
           <a:xfrm>
-            <a:off x="10692849" y="5156852"/>
+            <a:off x="5828969" y="3343367"/>
             <a:ext cx="1408523" cy="646331"/>
           </a:xfrm>
           <a:prstGeom prst="rect">
@@ -6049,7 +6056,7 @@
         </p:nvCxnSpPr>
         <p:spPr>
           <a:xfrm flipV="1">
-            <a:off x="10264359" y="5480018"/>
+            <a:off x="5400479" y="3666533"/>
             <a:ext cx="428490" cy="976"/>
           </a:xfrm>
           <a:prstGeom prst="line">
@@ -6072,6 +6079,313 @@
           </a:fontRef>
         </p:style>
       </p:cxnSp>
+      <p:sp>
+        <p:nvSpPr>
+          <p:cNvPr id="5" name="TextBox 4">
+            <a:extLst>
+              <a:ext uri="{FF2B5EF4-FFF2-40B4-BE49-F238E27FC236}">
+                <a16:creationId xmlns:a16="http://schemas.microsoft.com/office/drawing/2014/main" id="{5024EB8E-CF5A-9B4B-ADDF-B65D609E596C}"/>
+              </a:ext>
+            </a:extLst>
+          </p:cNvPr>
+          <p:cNvSpPr txBox="1"/>
+          <p:nvPr/>
+        </p:nvSpPr>
+        <p:spPr>
+          <a:xfrm>
+            <a:off x="8846903" y="4738063"/>
+            <a:ext cx="2612811" cy="1200329"/>
+          </a:xfrm>
+          <a:prstGeom prst="rect">
+            <a:avLst/>
+          </a:prstGeom>
+          <a:noFill/>
+        </p:spPr>
+        <p:txBody>
+          <a:bodyPr wrap="square" rtlCol="0">
+            <a:spAutoFit/>
+          </a:bodyPr>
+          <a:lstStyle/>
+          <a:p>
+            <a:r>
+              <a:rPr lang="en-US" sz="1200">
+                <a:solidFill>
+                  <a:srgbClr val="00B050"/>
+                </a:solidFill>
+                <a:latin typeface="Menlo" panose="020B0609030804020204" pitchFamily="49" charset="0"/>
+                <a:ea typeface="Menlo" panose="020B0609030804020204" pitchFamily="49" charset="0"/>
+                <a:cs typeface="Menlo" panose="020B0609030804020204" pitchFamily="49" charset="0"/>
+              </a:rPr>
+              <a:t># myconfig.cfg</a:t>
+            </a:r>
+          </a:p>
+          <a:p>
+            <a:br>
+              <a:rPr lang="en-US" sz="1200">
+                <a:solidFill>
+                  <a:srgbClr val="0070C0"/>
+                </a:solidFill>
+                <a:latin typeface="Menlo" panose="020B0609030804020204" pitchFamily="49" charset="0"/>
+                <a:ea typeface="Menlo" panose="020B0609030804020204" pitchFamily="49" charset="0"/>
+                <a:cs typeface="Menlo" panose="020B0609030804020204" pitchFamily="49" charset="0"/>
+              </a:rPr>
+            </a:br>
+            <a:r>
+              <a:rPr lang="en-US" sz="1200">
+                <a:solidFill>
+                  <a:srgbClr val="0070C0"/>
+                </a:solidFill>
+                <a:latin typeface="Menlo" panose="020B0609030804020204" pitchFamily="49" charset="0"/>
+                <a:ea typeface="Menlo" panose="020B0609030804020204" pitchFamily="49" charset="0"/>
+                <a:cs typeface="Menlo" panose="020B0609030804020204" pitchFamily="49" charset="0"/>
+              </a:rPr>
+              <a:t>import multiprocessing</a:t>
+            </a:r>
+            <a:br>
+              <a:rPr lang="en-US" sz="1200">
+                <a:solidFill>
+                  <a:srgbClr val="0070C0"/>
+                </a:solidFill>
+                <a:latin typeface="Menlo" panose="020B0609030804020204" pitchFamily="49" charset="0"/>
+                <a:ea typeface="Menlo" panose="020B0609030804020204" pitchFamily="49" charset="0"/>
+                <a:cs typeface="Menlo" panose="020B0609030804020204" pitchFamily="49" charset="0"/>
+              </a:rPr>
+            </a:br>
+            <a:r>
+              <a:rPr lang="en-US" sz="1200">
+                <a:solidFill>
+                  <a:srgbClr val="0070C0"/>
+                </a:solidFill>
+                <a:latin typeface="Menlo" panose="020B0609030804020204" pitchFamily="49" charset="0"/>
+                <a:ea typeface="Menlo" panose="020B0609030804020204" pitchFamily="49" charset="0"/>
+                <a:cs typeface="Menlo" panose="020B0609030804020204" pitchFamily="49" charset="0"/>
+              </a:rPr>
+              <a:t>bind = "127.0.0.1:8010"</a:t>
+            </a:r>
+          </a:p>
+          <a:p>
+            <a:r>
+              <a:rPr lang="en-US" sz="1200">
+                <a:solidFill>
+                  <a:srgbClr val="0070C0"/>
+                </a:solidFill>
+                <a:latin typeface="Menlo" panose="020B0609030804020204" pitchFamily="49" charset="0"/>
+                <a:ea typeface="Menlo" panose="020B0609030804020204" pitchFamily="49" charset="0"/>
+                <a:cs typeface="Menlo" panose="020B0609030804020204" pitchFamily="49" charset="0"/>
+              </a:rPr>
+              <a:t>workers = 4</a:t>
+            </a:r>
+          </a:p>
+          <a:p>
+            <a:r>
+              <a:rPr lang="en-US" sz="1200">
+                <a:solidFill>
+                  <a:srgbClr val="0070C0"/>
+                </a:solidFill>
+                <a:latin typeface="Menlo" panose="020B0609030804020204" pitchFamily="49" charset="0"/>
+                <a:ea typeface="Menlo" panose="020B0609030804020204" pitchFamily="49" charset="0"/>
+                <a:cs typeface="Menlo" panose="020B0609030804020204" pitchFamily="49" charset="0"/>
+              </a:rPr>
+              <a:t>reload = True</a:t>
+            </a:r>
+          </a:p>
+        </p:txBody>
+      </p:sp>
+      <p:sp>
+        <p:nvSpPr>
+          <p:cNvPr id="26" name="TextBox 25">
+            <a:extLst>
+              <a:ext uri="{FF2B5EF4-FFF2-40B4-BE49-F238E27FC236}">
+                <a16:creationId xmlns:a16="http://schemas.microsoft.com/office/drawing/2014/main" id="{3CB28465-1D0A-094F-9498-24FBF2FEAB6B}"/>
+              </a:ext>
+            </a:extLst>
+          </p:cNvPr>
+          <p:cNvSpPr txBox="1"/>
+          <p:nvPr/>
+        </p:nvSpPr>
+        <p:spPr>
+          <a:xfrm>
+            <a:off x="3840479" y="4729929"/>
+            <a:ext cx="4364737" cy="1938992"/>
+          </a:xfrm>
+          <a:prstGeom prst="rect">
+            <a:avLst/>
+          </a:prstGeom>
+          <a:noFill/>
+        </p:spPr>
+        <p:txBody>
+          <a:bodyPr wrap="square" rtlCol="0">
+            <a:spAutoFit/>
+          </a:bodyPr>
+          <a:lstStyle/>
+          <a:p>
+            <a:r>
+              <a:rPr lang="en-US" sz="1200">
+                <a:solidFill>
+                  <a:srgbClr val="00B050"/>
+                </a:solidFill>
+                <a:latin typeface="Menlo" panose="020B0609030804020204" pitchFamily="49" charset="0"/>
+                <a:ea typeface="Menlo" panose="020B0609030804020204" pitchFamily="49" charset="0"/>
+                <a:cs typeface="Menlo" panose="020B0609030804020204" pitchFamily="49" charset="0"/>
+              </a:rPr>
+              <a:t># myapp.py</a:t>
+            </a:r>
+          </a:p>
+          <a:p>
+            <a:r>
+              <a:rPr lang="en-US" sz="1200">
+                <a:solidFill>
+                  <a:srgbClr val="00B050"/>
+                </a:solidFill>
+                <a:latin typeface="Menlo" panose="020B0609030804020204" pitchFamily="49" charset="0"/>
+                <a:ea typeface="Menlo" panose="020B0609030804020204" pitchFamily="49" charset="0"/>
+                <a:cs typeface="Menlo" panose="020B0609030804020204" pitchFamily="49" charset="0"/>
+              </a:rPr>
+              <a:t># python gunicorn -c myconfig.cfg myapp:app</a:t>
+            </a:r>
+          </a:p>
+          <a:p>
+            <a:endParaRPr lang="en-US" sz="1200">
+              <a:solidFill>
+                <a:srgbClr val="0070C0"/>
+              </a:solidFill>
+              <a:latin typeface="Menlo" panose="020B0609030804020204" pitchFamily="49" charset="0"/>
+              <a:ea typeface="Menlo" panose="020B0609030804020204" pitchFamily="49" charset="0"/>
+              <a:cs typeface="Menlo" panose="020B0609030804020204" pitchFamily="49" charset="0"/>
+            </a:endParaRPr>
+          </a:p>
+          <a:p>
+            <a:r>
+              <a:rPr lang="en-US" sz="1200">
+                <a:solidFill>
+                  <a:srgbClr val="0070C0"/>
+                </a:solidFill>
+                <a:latin typeface="Menlo" panose="020B0609030804020204" pitchFamily="49" charset="0"/>
+                <a:ea typeface="Menlo" panose="020B0609030804020204" pitchFamily="49" charset="0"/>
+                <a:cs typeface="Menlo" panose="020B0609030804020204" pitchFamily="49" charset="0"/>
+              </a:rPr>
+              <a:t>def app(environ, start_response):</a:t>
+            </a:r>
+          </a:p>
+          <a:p>
+            <a:r>
+              <a:rPr lang="en-US" sz="1200">
+                <a:solidFill>
+                  <a:srgbClr val="0070C0"/>
+                </a:solidFill>
+                <a:latin typeface="Menlo" panose="020B0609030804020204" pitchFamily="49" charset="0"/>
+                <a:ea typeface="Menlo" panose="020B0609030804020204" pitchFamily="49" charset="0"/>
+                <a:cs typeface="Menlo" panose="020B0609030804020204" pitchFamily="49" charset="0"/>
+              </a:rPr>
+              <a:t>    data = b"Hello, World!\n"</a:t>
+            </a:r>
+          </a:p>
+          <a:p>
+            <a:r>
+              <a:rPr lang="en-US" sz="1200">
+                <a:solidFill>
+                  <a:srgbClr val="0070C0"/>
+                </a:solidFill>
+                <a:latin typeface="Menlo" panose="020B0609030804020204" pitchFamily="49" charset="0"/>
+                <a:ea typeface="Menlo" panose="020B0609030804020204" pitchFamily="49" charset="0"/>
+                <a:cs typeface="Menlo" panose="020B0609030804020204" pitchFamily="49" charset="0"/>
+              </a:rPr>
+              <a:t>    start_response("200 OK", [</a:t>
+            </a:r>
+          </a:p>
+          <a:p>
+            <a:r>
+              <a:rPr lang="en-US" sz="1200">
+                <a:solidFill>
+                  <a:srgbClr val="0070C0"/>
+                </a:solidFill>
+                <a:latin typeface="Menlo" panose="020B0609030804020204" pitchFamily="49" charset="0"/>
+                <a:ea typeface="Menlo" panose="020B0609030804020204" pitchFamily="49" charset="0"/>
+                <a:cs typeface="Menlo" panose="020B0609030804020204" pitchFamily="49" charset="0"/>
+              </a:rPr>
+              <a:t>        ("Content-Type", "text/plain"),</a:t>
+            </a:r>
+          </a:p>
+          <a:p>
+            <a:r>
+              <a:rPr lang="en-US" sz="1200">
+                <a:solidFill>
+                  <a:srgbClr val="0070C0"/>
+                </a:solidFill>
+                <a:latin typeface="Menlo" panose="020B0609030804020204" pitchFamily="49" charset="0"/>
+                <a:ea typeface="Menlo" panose="020B0609030804020204" pitchFamily="49" charset="0"/>
+                <a:cs typeface="Menlo" panose="020B0609030804020204" pitchFamily="49" charset="0"/>
+              </a:rPr>
+              <a:t>        ("Content-Length", str(len(data)))</a:t>
+            </a:r>
+          </a:p>
+          <a:p>
+            <a:r>
+              <a:rPr lang="en-US" sz="1200">
+                <a:solidFill>
+                  <a:srgbClr val="0070C0"/>
+                </a:solidFill>
+                <a:latin typeface="Menlo" panose="020B0609030804020204" pitchFamily="49" charset="0"/>
+                <a:ea typeface="Menlo" panose="020B0609030804020204" pitchFamily="49" charset="0"/>
+                <a:cs typeface="Menlo" panose="020B0609030804020204" pitchFamily="49" charset="0"/>
+              </a:rPr>
+              <a:t>    ])</a:t>
+            </a:r>
+          </a:p>
+          <a:p>
+            <a:r>
+              <a:rPr lang="en-US" sz="1200">
+                <a:solidFill>
+                  <a:srgbClr val="0070C0"/>
+                </a:solidFill>
+                <a:latin typeface="Menlo" panose="020B0609030804020204" pitchFamily="49" charset="0"/>
+                <a:ea typeface="Menlo" panose="020B0609030804020204" pitchFamily="49" charset="0"/>
+                <a:cs typeface="Menlo" panose="020B0609030804020204" pitchFamily="49" charset="0"/>
+              </a:rPr>
+              <a:t>    return iter([data])</a:t>
+            </a:r>
+          </a:p>
+        </p:txBody>
+      </p:sp>
+      <p:sp>
+        <p:nvSpPr>
+          <p:cNvPr id="27" name="TextBox 26">
+            <a:extLst>
+              <a:ext uri="{FF2B5EF4-FFF2-40B4-BE49-F238E27FC236}">
+                <a16:creationId xmlns:a16="http://schemas.microsoft.com/office/drawing/2014/main" id="{C44E6CA3-8E11-FC49-8C2F-3E4928F763B9}"/>
+              </a:ext>
+            </a:extLst>
+          </p:cNvPr>
+          <p:cNvSpPr txBox="1"/>
+          <p:nvPr/>
+        </p:nvSpPr>
+        <p:spPr>
+          <a:xfrm>
+            <a:off x="3840478" y="4312834"/>
+            <a:ext cx="3840479" cy="369332"/>
+          </a:xfrm>
+          <a:prstGeom prst="rect">
+            <a:avLst/>
+          </a:prstGeom>
+          <a:noFill/>
+        </p:spPr>
+        <p:txBody>
+          <a:bodyPr wrap="square" rtlCol="0">
+            <a:spAutoFit/>
+          </a:bodyPr>
+          <a:lstStyle/>
+          <a:p>
+            <a:r>
+              <a:rPr lang="en-US" b="1">
+                <a:solidFill>
+                  <a:srgbClr val="00B050"/>
+                </a:solidFill>
+              </a:rPr>
+              <a:t>WSGI script (Python, Gunicorn)</a:t>
+            </a:r>
+          </a:p>
+        </p:txBody>
+      </p:sp>
     </p:spTree>
     <p:extLst>
       <p:ext uri="{BB962C8B-B14F-4D97-AF65-F5344CB8AC3E}">
